--- a/Genesis Demo Presentation.pptx
+++ b/Genesis Demo Presentation.pptx
@@ -4542,7 +4542,7 @@
             </a:pPr>
             <a:r>
               <a:rPr lang="en"/>
-              <a:t>11 / 14 / 2017</a:t>
+              <a:t>11 / 15 / 2017</a:t>
             </a:r>
           </a:p>
         </p:txBody>
@@ -5176,7 +5176,7 @@
             </a:pPr>
             <a:r>
               <a:rPr lang="en"/>
-              <a:t>Arrow Keys - Move		</a:t>
+              <a:t>Arrow Keys - Move					H - Show controls (5 seconds)</a:t>
             </a:r>
           </a:p>
           <a:p>
